--- a/Софтуер-за-електронен-бележник.pptx
+++ b/Софтуер-за-електронен-бележник.pptx
@@ -121,7 +121,7 @@
   </p:defaultTextStyle>
   <p:extLst>
     <p:ext uri="{EFAFB233-063F-42B5-8137-9DF3F51BA10A}">
-      <p15:sldGuideLst xmlns:p15="http://schemas.microsoft.com/office/powerpoint/2012/main">
+      <p15:sldGuideLst xmlns:p15="http://schemas.microsoft.com/office/powerpoint/2012/main" xmlns="">
         <p15:guide id="1" pos="3840" userDrawn="1">
           <p15:clr>
             <a:srgbClr val="A4A3A4"/>
@@ -135,7 +135,7 @@
       </p15:sldGuideLst>
     </p:ext>
     <p:ext uri="{2D200454-40CA-4A62-9FC3-DE9A4176ACB9}">
-      <p15:notesGuideLst xmlns:p15="http://schemas.microsoft.com/office/powerpoint/2012/main"/>
+      <p15:notesGuideLst xmlns:p15="http://schemas.microsoft.com/office/powerpoint/2012/main" xmlns=""/>
     </p:ext>
   </p:extLst>
 </p:presentation>
@@ -223,6 +223,7 @@
           <a:p>
             <a:fld id="{762B48F5-BACC-47D6-A0F7-82FBF9C6BC85}" type="datetimeFigureOut">
               <a:rPr lang="en-US"/>
+              <a:pPr/>
               <a:t>4/6/2019</a:t>
             </a:fld>
             <a:endParaRPr/>
@@ -289,6 +290,7 @@
           <a:p>
             <a:fld id="{45ACAF8E-318A-4EFE-8633-D9E72ABCE0ED}" type="slidenum">
               <a:rPr/>
+              <a:pPr/>
               <a:t>‹#›</a:t>
             </a:fld>
             <a:endParaRPr/>
@@ -298,7 +300,7 @@
     </p:spTree>
     <p:extLst>
       <p:ext uri="{BB962C8B-B14F-4D97-AF65-F5344CB8AC3E}">
-        <p14:creationId xmlns:p14="http://schemas.microsoft.com/office/powerpoint/2010/main" val="2406559797"/>
+        <p14:creationId xmlns:p14="http://schemas.microsoft.com/office/powerpoint/2010/main" xmlns="" val="2406559797"/>
       </p:ext>
     </p:extLst>
   </p:cSld>
@@ -388,6 +390,7 @@
           <a:p>
             <a:fld id="{0CB1CD00-5424-4675-AB18-2C419B060449}" type="datetimeFigureOut">
               <a:rPr lang="en-US"/>
+              <a:pPr/>
               <a:t>4/6/2019</a:t>
             </a:fld>
             <a:endParaRPr/>
@@ -541,6 +544,7 @@
           <a:p>
             <a:fld id="{5EE2CF44-2B13-41B4-A334-1CDF534EEBBF}" type="slidenum">
               <a:rPr/>
+              <a:pPr/>
               <a:t>‹#›</a:t>
             </a:fld>
             <a:endParaRPr/>
@@ -550,7 +554,7 @@
     </p:spTree>
     <p:extLst>
       <p:ext uri="{BB962C8B-B14F-4D97-AF65-F5344CB8AC3E}">
-        <p14:creationId xmlns:p14="http://schemas.microsoft.com/office/powerpoint/2010/main" val="445385675"/>
+        <p14:creationId xmlns:p14="http://schemas.microsoft.com/office/powerpoint/2010/main" xmlns="" val="445385675"/>
       </p:ext>
     </p:extLst>
   </p:cSld>
@@ -656,7 +660,7 @@
     <p:bg>
       <p:bgPr>
         <a:blipFill dpi="0" rotWithShape="1">
-          <a:blip r:embed="rId2">
+          <a:blip r:embed="rId2" cstate="print">
             <a:lum/>
           </a:blip>
           <a:srcRect/>
@@ -896,7 +900,7 @@
     </p:spTree>
     <p:extLst>
       <p:ext uri="{BB962C8B-B14F-4D97-AF65-F5344CB8AC3E}">
-        <p14:creationId xmlns:p14="http://schemas.microsoft.com/office/powerpoint/2010/main" val="798862757"/>
+        <p14:creationId xmlns:p14="http://schemas.microsoft.com/office/powerpoint/2010/main" xmlns="" val="798862757"/>
       </p:ext>
     </p:extLst>
   </p:cSld>
@@ -1033,6 +1037,7 @@
           <a:p>
             <a:fld id="{37CC0096-1860-4642-9CD2-0079EA5E7CD1}" type="datetimeFigureOut">
               <a:rPr lang="en-US" smtClean="0"/>
+              <a:pPr/>
               <a:t>4/6/2019</a:t>
             </a:fld>
             <a:endParaRPr lang="en-US"/>
@@ -1056,6 +1061,7 @@
           <a:p>
             <a:fld id="{E31375A4-56A4-47D6-9801-1991572033F7}" type="slidenum">
               <a:rPr lang="en-US" smtClean="0"/>
+              <a:pPr/>
               <a:t>‹#›</a:t>
             </a:fld>
             <a:endParaRPr lang="en-US"/>
@@ -1065,7 +1071,7 @@
     </p:spTree>
     <p:extLst>
       <p:ext uri="{BB962C8B-B14F-4D97-AF65-F5344CB8AC3E}">
-        <p14:creationId xmlns:p14="http://schemas.microsoft.com/office/powerpoint/2010/main" val="2477154221"/>
+        <p14:creationId xmlns:p14="http://schemas.microsoft.com/office/powerpoint/2010/main" xmlns="" val="2477154221"/>
       </p:ext>
     </p:extLst>
   </p:cSld>
@@ -1212,6 +1218,7 @@
           <a:p>
             <a:fld id="{37CC0096-1860-4642-9CD2-0079EA5E7CD1}" type="datetimeFigureOut">
               <a:rPr lang="en-US" smtClean="0"/>
+              <a:pPr/>
               <a:t>4/6/2019</a:t>
             </a:fld>
             <a:endParaRPr lang="en-US"/>
@@ -1235,6 +1242,7 @@
           <a:p>
             <a:fld id="{E31375A4-56A4-47D6-9801-1991572033F7}" type="slidenum">
               <a:rPr lang="en-US" smtClean="0"/>
+              <a:pPr/>
               <a:t>‹#›</a:t>
             </a:fld>
             <a:endParaRPr lang="en-US"/>
@@ -1244,7 +1252,7 @@
     </p:spTree>
     <p:extLst>
       <p:ext uri="{BB962C8B-B14F-4D97-AF65-F5344CB8AC3E}">
-        <p14:creationId xmlns:p14="http://schemas.microsoft.com/office/powerpoint/2010/main" val="2524635021"/>
+        <p14:creationId xmlns:p14="http://schemas.microsoft.com/office/powerpoint/2010/main" xmlns="" val="2524635021"/>
       </p:ext>
     </p:extLst>
   </p:cSld>
@@ -1385,6 +1393,7 @@
           <a:p>
             <a:fld id="{37CC0096-1860-4642-9CD2-0079EA5E7CD1}" type="datetimeFigureOut">
               <a:rPr lang="en-US" smtClean="0"/>
+              <a:pPr/>
               <a:t>4/6/2019</a:t>
             </a:fld>
             <a:endParaRPr lang="en-US"/>
@@ -1408,6 +1417,7 @@
           <a:p>
             <a:fld id="{E31375A4-56A4-47D6-9801-1991572033F7}" type="slidenum">
               <a:rPr lang="en-US" smtClean="0"/>
+              <a:pPr/>
               <a:t>‹#›</a:t>
             </a:fld>
             <a:endParaRPr lang="en-US"/>
@@ -1417,7 +1427,7 @@
     </p:spTree>
     <p:extLst>
       <p:ext uri="{BB962C8B-B14F-4D97-AF65-F5344CB8AC3E}">
-        <p14:creationId xmlns:p14="http://schemas.microsoft.com/office/powerpoint/2010/main" val="3112444112"/>
+        <p14:creationId xmlns:p14="http://schemas.microsoft.com/office/powerpoint/2010/main" xmlns="" val="3112444112"/>
       </p:ext>
     </p:extLst>
   </p:cSld>
@@ -1559,7 +1569,7 @@
     </p:spTree>
     <p:extLst>
       <p:ext uri="{BB962C8B-B14F-4D97-AF65-F5344CB8AC3E}">
-        <p14:creationId xmlns:p14="http://schemas.microsoft.com/office/powerpoint/2010/main" val="3506778040"/>
+        <p14:creationId xmlns:p14="http://schemas.microsoft.com/office/powerpoint/2010/main" xmlns="" val="3506778040"/>
       </p:ext>
     </p:extLst>
   </p:cSld>
@@ -1818,6 +1828,7 @@
           <a:p>
             <a:fld id="{37CC0096-1860-4642-9CD2-0079EA5E7CD1}" type="datetimeFigureOut">
               <a:rPr lang="en-US" smtClean="0"/>
+              <a:pPr/>
               <a:t>4/6/2019</a:t>
             </a:fld>
             <a:endParaRPr lang="en-US"/>
@@ -1841,6 +1852,7 @@
           <a:p>
             <a:fld id="{E31375A4-56A4-47D6-9801-1991572033F7}" type="slidenum">
               <a:rPr lang="en-US" smtClean="0"/>
+              <a:pPr/>
               <a:t>‹#›</a:t>
             </a:fld>
             <a:endParaRPr lang="en-US"/>
@@ -1850,7 +1862,7 @@
     </p:spTree>
     <p:extLst>
       <p:ext uri="{BB962C8B-B14F-4D97-AF65-F5344CB8AC3E}">
-        <p14:creationId xmlns:p14="http://schemas.microsoft.com/office/powerpoint/2010/main" val="4044567947"/>
+        <p14:creationId xmlns:p14="http://schemas.microsoft.com/office/powerpoint/2010/main" xmlns="" val="4044567947"/>
       </p:ext>
     </p:extLst>
   </p:cSld>
@@ -2257,6 +2269,7 @@
           <a:p>
             <a:fld id="{37CC0096-1860-4642-9CD2-0079EA5E7CD1}" type="datetimeFigureOut">
               <a:rPr lang="en-US" smtClean="0"/>
+              <a:pPr/>
               <a:t>4/6/2019</a:t>
             </a:fld>
             <a:endParaRPr lang="en-US"/>
@@ -2280,6 +2293,7 @@
           <a:p>
             <a:fld id="{E31375A4-56A4-47D6-9801-1991572033F7}" type="slidenum">
               <a:rPr lang="en-US" smtClean="0"/>
+              <a:pPr/>
               <a:t>‹#›</a:t>
             </a:fld>
             <a:endParaRPr lang="en-US"/>
@@ -2289,7 +2303,7 @@
     </p:spTree>
     <p:extLst>
       <p:ext uri="{BB962C8B-B14F-4D97-AF65-F5344CB8AC3E}">
-        <p14:creationId xmlns:p14="http://schemas.microsoft.com/office/powerpoint/2010/main" val="3397906568"/>
+        <p14:creationId xmlns:p14="http://schemas.microsoft.com/office/powerpoint/2010/main" xmlns="" val="3397906568"/>
       </p:ext>
     </p:extLst>
   </p:cSld>
@@ -2374,6 +2388,7 @@
           <a:p>
             <a:fld id="{37CC0096-1860-4642-9CD2-0079EA5E7CD1}" type="datetimeFigureOut">
               <a:rPr lang="en-US" smtClean="0"/>
+              <a:pPr/>
               <a:t>4/6/2019</a:t>
             </a:fld>
             <a:endParaRPr lang="en-US"/>
@@ -2397,6 +2412,7 @@
           <a:p>
             <a:fld id="{E31375A4-56A4-47D6-9801-1991572033F7}" type="slidenum">
               <a:rPr lang="en-US" smtClean="0"/>
+              <a:pPr/>
               <a:t>‹#›</a:t>
             </a:fld>
             <a:endParaRPr lang="en-US"/>
@@ -2406,7 +2422,7 @@
     </p:spTree>
     <p:extLst>
       <p:ext uri="{BB962C8B-B14F-4D97-AF65-F5344CB8AC3E}">
-        <p14:creationId xmlns:p14="http://schemas.microsoft.com/office/powerpoint/2010/main" val="3238976713"/>
+        <p14:creationId xmlns:p14="http://schemas.microsoft.com/office/powerpoint/2010/main" xmlns="" val="3238976713"/>
       </p:ext>
     </p:extLst>
   </p:cSld>
@@ -2469,6 +2485,7 @@
           <a:p>
             <a:fld id="{37CC0096-1860-4642-9CD2-0079EA5E7CD1}" type="datetimeFigureOut">
               <a:rPr lang="en-US" smtClean="0"/>
+              <a:pPr/>
               <a:t>4/6/2019</a:t>
             </a:fld>
             <a:endParaRPr lang="en-US"/>
@@ -2492,6 +2509,7 @@
           <a:p>
             <a:fld id="{E31375A4-56A4-47D6-9801-1991572033F7}" type="slidenum">
               <a:rPr lang="en-US" smtClean="0"/>
+              <a:pPr/>
               <a:t>‹#›</a:t>
             </a:fld>
             <a:endParaRPr lang="en-US"/>
@@ -2501,7 +2519,7 @@
     </p:spTree>
     <p:extLst>
       <p:ext uri="{BB962C8B-B14F-4D97-AF65-F5344CB8AC3E}">
-        <p14:creationId xmlns:p14="http://schemas.microsoft.com/office/powerpoint/2010/main" val="2146817227"/>
+        <p14:creationId xmlns:p14="http://schemas.microsoft.com/office/powerpoint/2010/main" xmlns="" val="2146817227"/>
       </p:ext>
     </p:extLst>
   </p:cSld>
@@ -2753,6 +2771,7 @@
           <a:p>
             <a:fld id="{37CC0096-1860-4642-9CD2-0079EA5E7CD1}" type="datetimeFigureOut">
               <a:rPr lang="en-US" smtClean="0"/>
+              <a:pPr/>
               <a:t>4/6/2019</a:t>
             </a:fld>
             <a:endParaRPr lang="en-US"/>
@@ -2776,6 +2795,7 @@
           <a:p>
             <a:fld id="{E31375A4-56A4-47D6-9801-1991572033F7}" type="slidenum">
               <a:rPr lang="en-US" smtClean="0"/>
+              <a:pPr/>
               <a:t>‹#›</a:t>
             </a:fld>
             <a:endParaRPr lang="en-US"/>
@@ -2785,7 +2805,7 @@
     </p:spTree>
     <p:extLst>
       <p:ext uri="{BB962C8B-B14F-4D97-AF65-F5344CB8AC3E}">
-        <p14:creationId xmlns:p14="http://schemas.microsoft.com/office/powerpoint/2010/main" val="1667374130"/>
+        <p14:creationId xmlns:p14="http://schemas.microsoft.com/office/powerpoint/2010/main" xmlns="" val="1667374130"/>
       </p:ext>
     </p:extLst>
   </p:cSld>
@@ -3064,6 +3084,7 @@
           <a:p>
             <a:fld id="{37CC0096-1860-4642-9CD2-0079EA5E7CD1}" type="datetimeFigureOut">
               <a:rPr lang="en-US" smtClean="0"/>
+              <a:pPr/>
               <a:t>4/6/2019</a:t>
             </a:fld>
             <a:endParaRPr lang="en-US"/>
@@ -3087,6 +3108,7 @@
           <a:p>
             <a:fld id="{E31375A4-56A4-47D6-9801-1991572033F7}" type="slidenum">
               <a:rPr lang="en-US" smtClean="0"/>
+              <a:pPr/>
               <a:t>‹#›</a:t>
             </a:fld>
             <a:endParaRPr lang="en-US"/>
@@ -3096,7 +3118,7 @@
     </p:spTree>
     <p:extLst>
       <p:ext uri="{BB962C8B-B14F-4D97-AF65-F5344CB8AC3E}">
-        <p14:creationId xmlns:p14="http://schemas.microsoft.com/office/powerpoint/2010/main" val="2977249753"/>
+        <p14:creationId xmlns:p14="http://schemas.microsoft.com/office/powerpoint/2010/main" xmlns="" val="2977249753"/>
       </p:ext>
     </p:extLst>
   </p:cSld>
@@ -3347,7 +3369,7 @@
     </p:spTree>
     <p:extLst>
       <p:ext uri="{BB962C8B-B14F-4D97-AF65-F5344CB8AC3E}">
-        <p14:creationId xmlns:p14="http://schemas.microsoft.com/office/powerpoint/2010/main" val="1943259863"/>
+        <p14:creationId xmlns:p14="http://schemas.microsoft.com/office/powerpoint/2010/main" xmlns="" val="1943259863"/>
       </p:ext>
     </p:extLst>
   </p:cSld>
@@ -3684,7 +3706,7 @@
   </p:txStyles>
   <p:extLst mod="1">
     <p:ext uri="{27BBF7A9-308A-43DC-89C8-2F10F3537804}">
-      <p15:sldGuideLst xmlns:p15="http://schemas.microsoft.com/office/powerpoint/2012/main">
+      <p15:sldGuideLst xmlns:p15="http://schemas.microsoft.com/office/powerpoint/2012/main" xmlns="">
         <p15:guide id="1" orient="horz" pos="2160">
           <p15:clr>
             <a:srgbClr val="F26B43"/>
@@ -3733,6 +3755,10 @@
           <a:bodyPr/>
           <a:lstStyle/>
           <a:p>
+            <a:r>
+              <a:rPr lang="en-GB" dirty="0"/>
+              <a:t/>
+            </a:r>
             <a:br>
               <a:rPr lang="en-GB" dirty="0"/>
             </a:br>
@@ -3761,23 +3787,27 @@
           <a:p>
             <a:r>
               <a:rPr lang="en-GB" dirty="0"/>
-              <a:t>Developed by :</a:t>
+              <a:t>Developed </a:t>
+            </a:r>
+            <a:r>
+              <a:rPr lang="en-GB" dirty="0" smtClean="0"/>
+              <a:t>by: </a:t>
+            </a:r>
+            <a:r>
+              <a:rPr lang="bg-BG" dirty="0" smtClean="0"/>
+              <a:t>Ангел </a:t>
             </a:r>
             <a:r>
               <a:rPr lang="bg-BG" dirty="0"/>
-              <a:t>Ангел Младенов, Валентин Илиев, Георги Кръстенов, Павлин Минков</a:t>
+              <a:t>Младенов, Валентин Илиев, Георги Кръстенов, Павлин Минков</a:t>
             </a:r>
             <a:r>
               <a:rPr lang="en-US" dirty="0"/>
               <a:t>,</a:t>
             </a:r>
             <a:r>
-              <a:rPr lang="bg-BG"/>
-              <a:t> Костадин </a:t>
-            </a:r>
-            <a:r>
               <a:rPr lang="bg-BG" dirty="0"/>
-              <a:t>Добрев</a:t>
+              <a:t> Костадин Добрев</a:t>
             </a:r>
             <a:endParaRPr dirty="0"/>
           </a:p>
@@ -3786,7 +3816,7 @@
     </p:spTree>
     <p:extLst>
       <p:ext uri="{BB962C8B-B14F-4D97-AF65-F5344CB8AC3E}">
-        <p14:creationId xmlns:p14="http://schemas.microsoft.com/office/powerpoint/2010/main" val="242453831"/>
+        <p14:creationId xmlns:p14="http://schemas.microsoft.com/office/powerpoint/2010/main" xmlns="" val="242453831"/>
       </p:ext>
     </p:extLst>
   </p:cSld>
@@ -3818,7 +3848,7 @@
           <p:cNvPr id="2" name="Title 1">
             <a:extLst>
               <a:ext uri="{FF2B5EF4-FFF2-40B4-BE49-F238E27FC236}">
-                <a16:creationId xmlns:a16="http://schemas.microsoft.com/office/drawing/2014/main" id="{1D800602-31CC-473E-9646-76E0C815D1BD}"/>
+                <a16:creationId xmlns:a16="http://schemas.microsoft.com/office/drawing/2014/main" xmlns="" id="{1D800602-31CC-473E-9646-76E0C815D1BD}"/>
               </a:ext>
             </a:extLst>
           </p:cNvPr>
@@ -3846,7 +3876,7 @@
           <p:cNvPr id="3" name="Content Placeholder 2">
             <a:extLst>
               <a:ext uri="{FF2B5EF4-FFF2-40B4-BE49-F238E27FC236}">
-                <a16:creationId xmlns:a16="http://schemas.microsoft.com/office/drawing/2014/main" id="{A2BCB51F-F4A9-4CE6-802E-B3246EB676D6}"/>
+                <a16:creationId xmlns:a16="http://schemas.microsoft.com/office/drawing/2014/main" xmlns="" id="{A2BCB51F-F4A9-4CE6-802E-B3246EB676D6}"/>
               </a:ext>
             </a:extLst>
           </p:cNvPr>
@@ -3904,7 +3934,7 @@
     </p:spTree>
     <p:extLst>
       <p:ext uri="{BB962C8B-B14F-4D97-AF65-F5344CB8AC3E}">
-        <p14:creationId xmlns:p14="http://schemas.microsoft.com/office/powerpoint/2010/main" val="1632459589"/>
+        <p14:creationId xmlns:p14="http://schemas.microsoft.com/office/powerpoint/2010/main" xmlns="" val="1632459589"/>
       </p:ext>
     </p:extLst>
   </p:cSld>
@@ -4026,8 +4056,21 @@
             </a:r>
             <a:r>
               <a:rPr lang="bg-BG" dirty="0"/>
-              <a:t> Използвани техвологии</a:t>
-            </a:r>
+              <a:t> Използвани </a:t>
+            </a:r>
+            <a:r>
+              <a:rPr lang="bg-BG" dirty="0" smtClean="0"/>
+              <a:t>тех</a:t>
+            </a:r>
+            <a:r>
+              <a:rPr lang="bg-BG" dirty="0" smtClean="0"/>
+              <a:t>н</a:t>
+            </a:r>
+            <a:r>
+              <a:rPr lang="bg-BG" dirty="0" smtClean="0"/>
+              <a:t>ологии</a:t>
+            </a:r>
+            <a:endParaRPr lang="bg-BG" dirty="0"/>
           </a:p>
           <a:p>
             <a:pPr marL="0" indent="0">
@@ -4068,7 +4111,7 @@
     </p:spTree>
     <p:extLst>
       <p:ext uri="{BB962C8B-B14F-4D97-AF65-F5344CB8AC3E}">
-        <p14:creationId xmlns:p14="http://schemas.microsoft.com/office/powerpoint/2010/main" val="3042826300"/>
+        <p14:creationId xmlns:p14="http://schemas.microsoft.com/office/powerpoint/2010/main" xmlns="" val="3042826300"/>
       </p:ext>
     </p:extLst>
   </p:cSld>
@@ -4100,7 +4143,7 @@
           <p:cNvPr id="2" name="Title 1">
             <a:extLst>
               <a:ext uri="{FF2B5EF4-FFF2-40B4-BE49-F238E27FC236}">
-                <a16:creationId xmlns:a16="http://schemas.microsoft.com/office/drawing/2014/main" id="{DDACAE68-F4C0-47E7-84E4-91541A6D5C7B}"/>
+                <a16:creationId xmlns:a16="http://schemas.microsoft.com/office/drawing/2014/main" xmlns="" id="{DDACAE68-F4C0-47E7-84E4-91541A6D5C7B}"/>
               </a:ext>
             </a:extLst>
           </p:cNvPr>
@@ -4130,7 +4173,7 @@
           <p:cNvPr id="3" name="Content Placeholder 2">
             <a:extLst>
               <a:ext uri="{FF2B5EF4-FFF2-40B4-BE49-F238E27FC236}">
-                <a16:creationId xmlns:a16="http://schemas.microsoft.com/office/drawing/2014/main" id="{F507DE81-6A58-42E7-A4E1-B57E21641A72}"/>
+                <a16:creationId xmlns:a16="http://schemas.microsoft.com/office/drawing/2014/main" xmlns="" id="{F507DE81-6A58-42E7-A4E1-B57E21641A72}"/>
               </a:ext>
             </a:extLst>
           </p:cNvPr>
@@ -4233,7 +4276,7 @@
     </p:spTree>
     <p:extLst>
       <p:ext uri="{BB962C8B-B14F-4D97-AF65-F5344CB8AC3E}">
-        <p14:creationId xmlns:p14="http://schemas.microsoft.com/office/powerpoint/2010/main" val="3714993877"/>
+        <p14:creationId xmlns:p14="http://schemas.microsoft.com/office/powerpoint/2010/main" xmlns="" val="3714993877"/>
       </p:ext>
     </p:extLst>
   </p:cSld>
@@ -4265,7 +4308,7 @@
           <p:cNvPr id="2" name="Title 1">
             <a:extLst>
               <a:ext uri="{FF2B5EF4-FFF2-40B4-BE49-F238E27FC236}">
-                <a16:creationId xmlns:a16="http://schemas.microsoft.com/office/drawing/2014/main" id="{22EFAE68-1501-44BC-B7C4-C4B76ED121C8}"/>
+                <a16:creationId xmlns:a16="http://schemas.microsoft.com/office/drawing/2014/main" xmlns="" id="{22EFAE68-1501-44BC-B7C4-C4B76ED121C8}"/>
               </a:ext>
             </a:extLst>
           </p:cNvPr>
@@ -4295,7 +4338,7 @@
           <p:cNvPr id="3" name="Content Placeholder 2">
             <a:extLst>
               <a:ext uri="{FF2B5EF4-FFF2-40B4-BE49-F238E27FC236}">
-                <a16:creationId xmlns:a16="http://schemas.microsoft.com/office/drawing/2014/main" id="{85DC5982-BA05-4697-9E34-2A4DEF312CAA}"/>
+                <a16:creationId xmlns:a16="http://schemas.microsoft.com/office/drawing/2014/main" xmlns="" id="{85DC5982-BA05-4697-9E34-2A4DEF312CAA}"/>
               </a:ext>
             </a:extLst>
           </p:cNvPr>
@@ -4323,8 +4366,8 @@
               <a:t>MVC</a:t>
             </a:r>
             <a:r>
-              <a:rPr lang="bg-BG" sz="2400" dirty="0"/>
-              <a:t>-стуктура</a:t>
+              <a:rPr lang="bg-BG" sz="2400" dirty="0" smtClean="0"/>
+              <a:t>-структура</a:t>
             </a:r>
             <a:r>
               <a:rPr lang="en-US" sz="2400" dirty="0"/>
@@ -4375,7 +4418,7 @@
     </p:spTree>
     <p:extLst>
       <p:ext uri="{BB962C8B-B14F-4D97-AF65-F5344CB8AC3E}">
-        <p14:creationId xmlns:p14="http://schemas.microsoft.com/office/powerpoint/2010/main" val="436834251"/>
+        <p14:creationId xmlns:p14="http://schemas.microsoft.com/office/powerpoint/2010/main" xmlns="" val="436834251"/>
       </p:ext>
     </p:extLst>
   </p:cSld>
@@ -4407,7 +4450,7 @@
           <p:cNvPr id="2" name="Title 1">
             <a:extLst>
               <a:ext uri="{FF2B5EF4-FFF2-40B4-BE49-F238E27FC236}">
-                <a16:creationId xmlns:a16="http://schemas.microsoft.com/office/drawing/2014/main" id="{7781DF11-B7BC-4CE8-ADF6-90631EF37808}"/>
+                <a16:creationId xmlns:a16="http://schemas.microsoft.com/office/drawing/2014/main" xmlns="" id="{7781DF11-B7BC-4CE8-ADF6-90631EF37808}"/>
               </a:ext>
             </a:extLst>
           </p:cNvPr>
@@ -4427,8 +4470,12 @@
               <a:rPr lang="bg-BG" sz="3200" dirty="0"/>
               <a:t>Интерфейс </a:t>
             </a:r>
+            <a:r>
+              <a:rPr lang="en-US" sz="3200" dirty="0" smtClean="0"/>
+              <a:t/>
+            </a:r>
             <a:br>
-              <a:rPr lang="en-US" sz="3200" dirty="0"/>
+              <a:rPr lang="en-US" sz="3200" dirty="0" smtClean="0"/>
             </a:br>
             <a:endParaRPr lang="bg-BG" dirty="0"/>
           </a:p>
@@ -4439,7 +4486,7 @@
           <p:cNvPr id="3" name="Content Placeholder 2">
             <a:extLst>
               <a:ext uri="{FF2B5EF4-FFF2-40B4-BE49-F238E27FC236}">
-                <a16:creationId xmlns:a16="http://schemas.microsoft.com/office/drawing/2014/main" id="{F6AE7F05-C5A1-4759-8315-88F74D12FF77}"/>
+                <a16:creationId xmlns:a16="http://schemas.microsoft.com/office/drawing/2014/main" xmlns="" id="{F6AE7F05-C5A1-4759-8315-88F74D12FF77}"/>
               </a:ext>
             </a:extLst>
           </p:cNvPr>
@@ -4481,7 +4528,7 @@
           <p:cNvPr id="4" name="Picture 3">
             <a:extLst>
               <a:ext uri="{FF2B5EF4-FFF2-40B4-BE49-F238E27FC236}">
-                <a16:creationId xmlns:a16="http://schemas.microsoft.com/office/drawing/2014/main" id="{9FD37BEF-1B38-47D0-984C-DD4B1C91303A}"/>
+                <a16:creationId xmlns:a16="http://schemas.microsoft.com/office/drawing/2014/main" xmlns="" id="{9FD37BEF-1B38-47D0-984C-DD4B1C91303A}"/>
               </a:ext>
             </a:extLst>
           </p:cNvPr>
@@ -4489,7 +4536,7 @@
           <p:nvPr/>
         </p:nvPicPr>
         <p:blipFill>
-          <a:blip r:embed="rId2"/>
+          <a:blip r:embed="rId2" cstate="print"/>
           <a:stretch>
             <a:fillRect/>
           </a:stretch>
@@ -4509,7 +4556,7 @@
           <p:cNvPr id="5" name="Picture 4">
             <a:extLst>
               <a:ext uri="{FF2B5EF4-FFF2-40B4-BE49-F238E27FC236}">
-                <a16:creationId xmlns:a16="http://schemas.microsoft.com/office/drawing/2014/main" id="{016CB205-83A4-4DDB-96C5-BAF03F106007}"/>
+                <a16:creationId xmlns:a16="http://schemas.microsoft.com/office/drawing/2014/main" xmlns="" id="{016CB205-83A4-4DDB-96C5-BAF03F106007}"/>
               </a:ext>
             </a:extLst>
           </p:cNvPr>
@@ -4517,7 +4564,7 @@
           <p:nvPr/>
         </p:nvPicPr>
         <p:blipFill>
-          <a:blip r:embed="rId3"/>
+          <a:blip r:embed="rId3" cstate="print"/>
           <a:stretch>
             <a:fillRect/>
           </a:stretch>
@@ -4535,7 +4582,7 @@
     </p:spTree>
     <p:extLst>
       <p:ext uri="{BB962C8B-B14F-4D97-AF65-F5344CB8AC3E}">
-        <p14:creationId xmlns:p14="http://schemas.microsoft.com/office/powerpoint/2010/main" val="3655441355"/>
+        <p14:creationId xmlns:p14="http://schemas.microsoft.com/office/powerpoint/2010/main" xmlns="" val="3655441355"/>
       </p:ext>
     </p:extLst>
   </p:cSld>
@@ -4567,7 +4614,7 @@
           <p:cNvPr id="2" name="Title 1">
             <a:extLst>
               <a:ext uri="{FF2B5EF4-FFF2-40B4-BE49-F238E27FC236}">
-                <a16:creationId xmlns:a16="http://schemas.microsoft.com/office/drawing/2014/main" id="{94D86DE7-DDB4-49F1-81E4-F2C3A2EBAFFC}"/>
+                <a16:creationId xmlns:a16="http://schemas.microsoft.com/office/drawing/2014/main" xmlns="" id="{94D86DE7-DDB4-49F1-81E4-F2C3A2EBAFFC}"/>
               </a:ext>
             </a:extLst>
           </p:cNvPr>
@@ -4595,7 +4642,7 @@
           <p:cNvPr id="4" name="Content Placeholder 3">
             <a:extLst>
               <a:ext uri="{FF2B5EF4-FFF2-40B4-BE49-F238E27FC236}">
-                <a16:creationId xmlns:a16="http://schemas.microsoft.com/office/drawing/2014/main" id="{FEC4F8A4-F8B2-4914-8760-0994D4322A49}"/>
+                <a16:creationId xmlns:a16="http://schemas.microsoft.com/office/drawing/2014/main" xmlns="" id="{FEC4F8A4-F8B2-4914-8760-0994D4322A49}"/>
               </a:ext>
             </a:extLst>
           </p:cNvPr>
@@ -4607,7 +4654,7 @@
           </p:nvPr>
         </p:nvPicPr>
         <p:blipFill>
-          <a:blip r:embed="rId2"/>
+          <a:blip r:embed="rId2" cstate="print"/>
           <a:stretch>
             <a:fillRect/>
           </a:stretch>
@@ -4627,7 +4674,7 @@
           <p:cNvPr id="5" name="TextBox 4">
             <a:extLst>
               <a:ext uri="{FF2B5EF4-FFF2-40B4-BE49-F238E27FC236}">
-                <a16:creationId xmlns:a16="http://schemas.microsoft.com/office/drawing/2014/main" id="{A44BBC6D-A74F-4BA3-AD70-8107F0FECD08}"/>
+                <a16:creationId xmlns:a16="http://schemas.microsoft.com/office/drawing/2014/main" xmlns="" id="{A44BBC6D-A74F-4BA3-AD70-8107F0FECD08}"/>
               </a:ext>
             </a:extLst>
           </p:cNvPr>
@@ -4677,7 +4724,7 @@
           <p:cNvPr id="6" name="Content Placeholder 2">
             <a:extLst>
               <a:ext uri="{FF2B5EF4-FFF2-40B4-BE49-F238E27FC236}">
-                <a16:creationId xmlns:a16="http://schemas.microsoft.com/office/drawing/2014/main" id="{D9A5D356-2BCC-4250-B665-B7A00D278E33}"/>
+                <a16:creationId xmlns:a16="http://schemas.microsoft.com/office/drawing/2014/main" xmlns="" id="{D9A5D356-2BCC-4250-B665-B7A00D278E33}"/>
               </a:ext>
             </a:extLst>
           </p:cNvPr>
@@ -4910,9 +4957,10 @@
           <a:p>
             <a:pPr marL="285750" indent="-285750"/>
             <a:r>
-              <a:rPr lang="bg-BG" sz="2400" b="1" dirty="0"/>
-              <a:t>Свойсва</a:t>
-            </a:r>
+              <a:rPr lang="bg-BG" sz="2400" b="1" dirty="0" smtClean="0"/>
+              <a:t>Свойства</a:t>
+            </a:r>
+            <a:endParaRPr lang="bg-BG" sz="2400" b="1" dirty="0"/>
           </a:p>
           <a:p>
             <a:r>
@@ -4928,7 +4976,7 @@
           <p:cNvPr id="3" name="Picture 2">
             <a:extLst>
               <a:ext uri="{FF2B5EF4-FFF2-40B4-BE49-F238E27FC236}">
-                <a16:creationId xmlns:a16="http://schemas.microsoft.com/office/drawing/2014/main" id="{D5F380C0-7A17-4DA4-B935-57091EA6D064}"/>
+                <a16:creationId xmlns:a16="http://schemas.microsoft.com/office/drawing/2014/main" xmlns="" id="{D5F380C0-7A17-4DA4-B935-57091EA6D064}"/>
               </a:ext>
             </a:extLst>
           </p:cNvPr>
@@ -4938,7 +4986,7 @@
           <p:nvPr/>
         </p:nvPicPr>
         <p:blipFill>
-          <a:blip r:embed="rId3"/>
+          <a:blip r:embed="rId3" cstate="print"/>
           <a:stretch>
             <a:fillRect/>
           </a:stretch>
@@ -4956,7 +5004,7 @@
     </p:spTree>
     <p:extLst>
       <p:ext uri="{BB962C8B-B14F-4D97-AF65-F5344CB8AC3E}">
-        <p14:creationId xmlns:p14="http://schemas.microsoft.com/office/powerpoint/2010/main" val="3954190660"/>
+        <p14:creationId xmlns:p14="http://schemas.microsoft.com/office/powerpoint/2010/main" xmlns="" val="3954190660"/>
       </p:ext>
     </p:extLst>
   </p:cSld>
@@ -4988,7 +5036,7 @@
           <p:cNvPr id="2" name="Title 1">
             <a:extLst>
               <a:ext uri="{FF2B5EF4-FFF2-40B4-BE49-F238E27FC236}">
-                <a16:creationId xmlns:a16="http://schemas.microsoft.com/office/drawing/2014/main" id="{A78E73B0-AEF2-4063-813E-3D9CD91E2DFD}"/>
+                <a16:creationId xmlns:a16="http://schemas.microsoft.com/office/drawing/2014/main" xmlns="" id="{A78E73B0-AEF2-4063-813E-3D9CD91E2DFD}"/>
               </a:ext>
             </a:extLst>
           </p:cNvPr>
@@ -5016,7 +5064,7 @@
           <p:cNvPr id="4" name="Content Placeholder 3">
             <a:extLst>
               <a:ext uri="{FF2B5EF4-FFF2-40B4-BE49-F238E27FC236}">
-                <a16:creationId xmlns:a16="http://schemas.microsoft.com/office/drawing/2014/main" id="{F91C6C3D-7378-47BD-8F0E-1999AE25910F}"/>
+                <a16:creationId xmlns:a16="http://schemas.microsoft.com/office/drawing/2014/main" xmlns="" id="{F91C6C3D-7378-47BD-8F0E-1999AE25910F}"/>
               </a:ext>
             </a:extLst>
           </p:cNvPr>
@@ -5028,7 +5076,7 @@
           </p:nvPr>
         </p:nvPicPr>
         <p:blipFill>
-          <a:blip r:embed="rId2"/>
+          <a:blip r:embed="rId2" cstate="print"/>
           <a:stretch>
             <a:fillRect/>
           </a:stretch>
@@ -5046,7 +5094,7 @@
     </p:spTree>
     <p:extLst>
       <p:ext uri="{BB962C8B-B14F-4D97-AF65-F5344CB8AC3E}">
-        <p14:creationId xmlns:p14="http://schemas.microsoft.com/office/powerpoint/2010/main" val="420976357"/>
+        <p14:creationId xmlns:p14="http://schemas.microsoft.com/office/powerpoint/2010/main" xmlns="" val="420976357"/>
       </p:ext>
     </p:extLst>
   </p:cSld>
@@ -5078,7 +5126,7 @@
           <p:cNvPr id="2" name="Title 1">
             <a:extLst>
               <a:ext uri="{FF2B5EF4-FFF2-40B4-BE49-F238E27FC236}">
-                <a16:creationId xmlns:a16="http://schemas.microsoft.com/office/drawing/2014/main" id="{BC72E39C-5340-4CE0-A55B-DE4EB6A55706}"/>
+                <a16:creationId xmlns:a16="http://schemas.microsoft.com/office/drawing/2014/main" xmlns="" id="{BC72E39C-5340-4CE0-A55B-DE4EB6A55706}"/>
               </a:ext>
             </a:extLst>
           </p:cNvPr>
@@ -5106,7 +5154,7 @@
           <p:cNvPr id="3" name="Content Placeholder 2">
             <a:extLst>
               <a:ext uri="{FF2B5EF4-FFF2-40B4-BE49-F238E27FC236}">
-                <a16:creationId xmlns:a16="http://schemas.microsoft.com/office/drawing/2014/main" id="{2D1F3577-6439-4A4E-894C-DC50CB3C31EA}"/>
+                <a16:creationId xmlns:a16="http://schemas.microsoft.com/office/drawing/2014/main" xmlns="" id="{2D1F3577-6439-4A4E-894C-DC50CB3C31EA}"/>
               </a:ext>
             </a:extLst>
           </p:cNvPr>
@@ -5221,7 +5269,7 @@
     </p:spTree>
     <p:extLst>
       <p:ext uri="{BB962C8B-B14F-4D97-AF65-F5344CB8AC3E}">
-        <p14:creationId xmlns:p14="http://schemas.microsoft.com/office/powerpoint/2010/main" val="460613228"/>
+        <p14:creationId xmlns:p14="http://schemas.microsoft.com/office/powerpoint/2010/main" xmlns="" val="460613228"/>
       </p:ext>
     </p:extLst>
   </p:cSld>
@@ -5253,7 +5301,7 @@
           <p:cNvPr id="2" name="Title 1">
             <a:extLst>
               <a:ext uri="{FF2B5EF4-FFF2-40B4-BE49-F238E27FC236}">
-                <a16:creationId xmlns:a16="http://schemas.microsoft.com/office/drawing/2014/main" id="{51EA4273-832F-408A-B426-AAE82DBFB40C}"/>
+                <a16:creationId xmlns:a16="http://schemas.microsoft.com/office/drawing/2014/main" xmlns="" id="{51EA4273-832F-408A-B426-AAE82DBFB40C}"/>
               </a:ext>
             </a:extLst>
           </p:cNvPr>
@@ -5283,7 +5331,7 @@
           <p:cNvPr id="3" name="Content Placeholder 2">
             <a:extLst>
               <a:ext uri="{FF2B5EF4-FFF2-40B4-BE49-F238E27FC236}">
-                <a16:creationId xmlns:a16="http://schemas.microsoft.com/office/drawing/2014/main" id="{86755054-4A27-4673-B06F-B0B6E86D682D}"/>
+                <a16:creationId xmlns:a16="http://schemas.microsoft.com/office/drawing/2014/main" xmlns="" id="{86755054-4A27-4673-B06F-B0B6E86D682D}"/>
               </a:ext>
             </a:extLst>
           </p:cNvPr>
@@ -5330,7 +5378,7 @@
     </p:spTree>
     <p:extLst>
       <p:ext uri="{BB962C8B-B14F-4D97-AF65-F5344CB8AC3E}">
-        <p14:creationId xmlns:p14="http://schemas.microsoft.com/office/powerpoint/2010/main" val="677528257"/>
+        <p14:creationId xmlns:p14="http://schemas.microsoft.com/office/powerpoint/2010/main" xmlns="" val="677528257"/>
       </p:ext>
     </p:extLst>
   </p:cSld>
@@ -5595,7 +5643,7 @@
   <a:extraClrSchemeLst/>
   <a:extLst>
     <a:ext uri="{05A4C25C-085E-4340-85A3-A5531E510DB2}">
-      <thm15:themeFamily xmlns:thm15="http://schemas.microsoft.com/office/thememl/2012/main" name="TF02901026.potx" id="{FD85E87A-7813-4F67-9E59-69B5487A1910}" vid="{BDF94C36-3ACF-4CF1-939F-F4211E6D666F}"/>
+      <thm15:themeFamily xmlns:thm15="http://schemas.microsoft.com/office/thememl/2012/main" xmlns="" name="TF02901026.potx" id="{FD85E87A-7813-4F67-9E59-69B5487A1910}" vid="{BDF94C36-3ACF-4CF1-939F-F4211E6D666F}"/>
     </a:ext>
   </a:extLst>
 </a:theme>
@@ -5856,7 +5904,7 @@
   <a:extraClrSchemeLst/>
   <a:extLst>
     <a:ext uri="{05A4C25C-085E-4340-85A3-A5531E510DB2}">
-      <thm15:themeFamily xmlns:thm15="http://schemas.microsoft.com/office/thememl/2012/main" name="Office Theme" id="{62F939B6-93AF-4DB8-9C6B-D6C7DFDC589F}" vid="{4A3C46E8-61CC-4603-A589-7422A47A8E4A}"/>
+      <thm15:themeFamily xmlns:thm15="http://schemas.microsoft.com/office/thememl/2012/main" xmlns="" name="Office Theme" id="{62F939B6-93AF-4DB8-9C6B-D6C7DFDC589F}" vid="{4A3C46E8-61CC-4603-A589-7422A47A8E4A}"/>
     </a:ext>
   </a:extLst>
 </a:theme>
@@ -6117,7 +6165,7 @@
   <a:extraClrSchemeLst/>
   <a:extLst>
     <a:ext uri="{05A4C25C-085E-4340-85A3-A5531E510DB2}">
-      <thm15:themeFamily xmlns:thm15="http://schemas.microsoft.com/office/thememl/2012/main" name="Office Theme" id="{62F939B6-93AF-4DB8-9C6B-D6C7DFDC589F}" vid="{4A3C46E8-61CC-4603-A589-7422A47A8E4A}"/>
+      <thm15:themeFamily xmlns:thm15="http://schemas.microsoft.com/office/thememl/2012/main" xmlns="" name="Office Theme" id="{62F939B6-93AF-4DB8-9C6B-D6C7DFDC589F}" vid="{4A3C46E8-61CC-4603-A589-7422A47A8E4A}"/>
     </a:ext>
   </a:extLst>
 </a:theme>
